--- a/data_import/LogReg.pptx
+++ b/data_import/LogReg.pptx
@@ -7,6 +7,8 @@
   <p:sldIdLst>
     <p:sldId id="256" r:id="rId2"/>
     <p:sldId id="257" r:id="rId3"/>
+    <p:sldId id="259" r:id="rId4"/>
+    <p:sldId id="258" r:id="rId5"/>
   </p:sldIdLst>
   <p:sldSz cx="12192000" cy="6858000"/>
   <p:notesSz cx="6858000" cy="9144000"/>
@@ -105,6 +107,11 @@
       </a:defRPr>
     </a:lvl9pPr>
   </p:defaultTextStyle>
+  <p:extLst>
+    <p:ext uri="{EFAFB233-063F-42B5-8137-9DF3F51BA10A}">
+      <p15:sldGuideLst xmlns:p15="http://schemas.microsoft.com/office/powerpoint/2012/main"/>
+    </p:ext>
+  </p:extLst>
 </p:presentation>
 </file>
 
@@ -255,7 +262,7 @@
           <a:p>
             <a:fld id="{F0317412-5504-4829-9B06-7F5BD6149BFF}" type="datetimeFigureOut">
               <a:rPr lang="en-US" smtClean="0"/>
-              <a:t>4/21/2024</a:t>
+              <a:t>4/22/2024</a:t>
             </a:fld>
             <a:endParaRPr lang="en-US"/>
           </a:p>
@@ -453,7 +460,7 @@
           <a:p>
             <a:fld id="{F0317412-5504-4829-9B06-7F5BD6149BFF}" type="datetimeFigureOut">
               <a:rPr lang="en-US" smtClean="0"/>
-              <a:t>4/21/2024</a:t>
+              <a:t>4/22/2024</a:t>
             </a:fld>
             <a:endParaRPr lang="en-US"/>
           </a:p>
@@ -661,7 +668,7 @@
           <a:p>
             <a:fld id="{F0317412-5504-4829-9B06-7F5BD6149BFF}" type="datetimeFigureOut">
               <a:rPr lang="en-US" smtClean="0"/>
-              <a:t>4/21/2024</a:t>
+              <a:t>4/22/2024</a:t>
             </a:fld>
             <a:endParaRPr lang="en-US"/>
           </a:p>
@@ -859,7 +866,7 @@
           <a:p>
             <a:fld id="{F0317412-5504-4829-9B06-7F5BD6149BFF}" type="datetimeFigureOut">
               <a:rPr lang="en-US" smtClean="0"/>
-              <a:t>4/21/2024</a:t>
+              <a:t>4/22/2024</a:t>
             </a:fld>
             <a:endParaRPr lang="en-US"/>
           </a:p>
@@ -1134,7 +1141,7 @@
           <a:p>
             <a:fld id="{F0317412-5504-4829-9B06-7F5BD6149BFF}" type="datetimeFigureOut">
               <a:rPr lang="en-US" smtClean="0"/>
-              <a:t>4/21/2024</a:t>
+              <a:t>4/22/2024</a:t>
             </a:fld>
             <a:endParaRPr lang="en-US"/>
           </a:p>
@@ -1399,7 +1406,7 @@
           <a:p>
             <a:fld id="{F0317412-5504-4829-9B06-7F5BD6149BFF}" type="datetimeFigureOut">
               <a:rPr lang="en-US" smtClean="0"/>
-              <a:t>4/21/2024</a:t>
+              <a:t>4/22/2024</a:t>
             </a:fld>
             <a:endParaRPr lang="en-US"/>
           </a:p>
@@ -1811,7 +1818,7 @@
           <a:p>
             <a:fld id="{F0317412-5504-4829-9B06-7F5BD6149BFF}" type="datetimeFigureOut">
               <a:rPr lang="en-US" smtClean="0"/>
-              <a:t>4/21/2024</a:t>
+              <a:t>4/22/2024</a:t>
             </a:fld>
             <a:endParaRPr lang="en-US"/>
           </a:p>
@@ -1952,7 +1959,7 @@
           <a:p>
             <a:fld id="{F0317412-5504-4829-9B06-7F5BD6149BFF}" type="datetimeFigureOut">
               <a:rPr lang="en-US" smtClean="0"/>
-              <a:t>4/21/2024</a:t>
+              <a:t>4/22/2024</a:t>
             </a:fld>
             <a:endParaRPr lang="en-US"/>
           </a:p>
@@ -2065,7 +2072,7 @@
           <a:p>
             <a:fld id="{F0317412-5504-4829-9B06-7F5BD6149BFF}" type="datetimeFigureOut">
               <a:rPr lang="en-US" smtClean="0"/>
-              <a:t>4/21/2024</a:t>
+              <a:t>4/22/2024</a:t>
             </a:fld>
             <a:endParaRPr lang="en-US"/>
           </a:p>
@@ -2376,7 +2383,7 @@
           <a:p>
             <a:fld id="{F0317412-5504-4829-9B06-7F5BD6149BFF}" type="datetimeFigureOut">
               <a:rPr lang="en-US" smtClean="0"/>
-              <a:t>4/21/2024</a:t>
+              <a:t>4/22/2024</a:t>
             </a:fld>
             <a:endParaRPr lang="en-US"/>
           </a:p>
@@ -2664,7 +2671,7 @@
           <a:p>
             <a:fld id="{F0317412-5504-4829-9B06-7F5BD6149BFF}" type="datetimeFigureOut">
               <a:rPr lang="en-US" smtClean="0"/>
-              <a:t>4/21/2024</a:t>
+              <a:t>4/22/2024</a:t>
             </a:fld>
             <a:endParaRPr lang="en-US"/>
           </a:p>
@@ -2905,7 +2912,7 @@
           <a:p>
             <a:fld id="{F0317412-5504-4829-9B06-7F5BD6149BFF}" type="datetimeFigureOut">
               <a:rPr lang="en-US" smtClean="0"/>
-              <a:t>4/21/2024</a:t>
+              <a:t>4/22/2024</a:t>
             </a:fld>
             <a:endParaRPr lang="en-US"/>
           </a:p>
@@ -3453,42 +3460,44 @@
           </a:xfrm>
         </p:spPr>
         <p:txBody>
-          <a:bodyPr/>
-          <a:lstStyle/>
-          <a:p>
-            <a:r>
-              <a:rPr lang="en-US" dirty="0"/>
+          <a:bodyPr>
+            <a:normAutofit/>
+          </a:bodyPr>
+          <a:lstStyle/>
+          <a:p>
+            <a:r>
+              <a:rPr lang="en-US" sz="2000" dirty="0"/>
               <a:t>Full dataset (~1000 events) with Binary Classification</a:t>
             </a:r>
           </a:p>
           <a:p>
             <a:r>
-              <a:rPr lang="en-US" dirty="0"/>
+              <a:rPr lang="en-US" sz="2000" dirty="0"/>
               <a:t>Standardized using mean and scaling to unit variance</a:t>
             </a:r>
           </a:p>
           <a:p>
             <a:r>
-              <a:rPr lang="en-US" dirty="0"/>
+              <a:rPr lang="en-US" sz="2000" dirty="0"/>
               <a:t>Inconclusive optimal C search with little success using Logistic Regression</a:t>
             </a:r>
           </a:p>
           <a:p>
             <a:r>
-              <a:rPr lang="en-US" dirty="0"/>
+              <a:rPr lang="en-US" sz="2000" dirty="0"/>
               <a:t>Conducted both with and without a </a:t>
             </a:r>
             <a:r>
-              <a:rPr lang="en-US" dirty="0" err="1"/>
+              <a:rPr lang="en-US" sz="2000" dirty="0" err="1"/>
               <a:t>Regularizer</a:t>
             </a:r>
             <a:r>
-              <a:rPr lang="en-US" dirty="0"/>
+              <a:rPr lang="en-US" sz="2000" dirty="0"/>
               <a:t> (L2 Norm)</a:t>
             </a:r>
           </a:p>
           <a:p>
-            <a:endParaRPr lang="en-US" dirty="0"/>
+            <a:endParaRPr lang="en-US" sz="2000" dirty="0"/>
           </a:p>
         </p:txBody>
       </p:sp>
@@ -3568,6 +3577,401 @@
     <p:extLst>
       <p:ext uri="{BB962C8B-B14F-4D97-AF65-F5344CB8AC3E}">
         <p14:creationId xmlns:p14="http://schemas.microsoft.com/office/powerpoint/2010/main" val="3629808558"/>
+      </p:ext>
+    </p:extLst>
+  </p:cSld>
+  <p:clrMapOvr>
+    <a:masterClrMapping/>
+  </p:clrMapOvr>
+</p:sld>
+</file>
+
+<file path=ppt/slides/slide3.xml><?xml version="1.0" encoding="utf-8"?>
+<p:sld xmlns:a="http://schemas.openxmlformats.org/drawingml/2006/main" xmlns:r="http://schemas.openxmlformats.org/officeDocument/2006/relationships" xmlns:p="http://schemas.openxmlformats.org/presentationml/2006/main">
+  <p:cSld>
+    <p:spTree>
+      <p:nvGrpSpPr>
+        <p:cNvPr id="1" name=""/>
+        <p:cNvGrpSpPr/>
+        <p:nvPr/>
+      </p:nvGrpSpPr>
+      <p:grpSpPr>
+        <a:xfrm>
+          <a:off x="0" y="0"/>
+          <a:ext cx="0" cy="0"/>
+          <a:chOff x="0" y="0"/>
+          <a:chExt cx="0" cy="0"/>
+        </a:xfrm>
+      </p:grpSpPr>
+      <p:sp>
+        <p:nvSpPr>
+          <p:cNvPr id="2" name="Title 1">
+            <a:extLst>
+              <a:ext uri="{FF2B5EF4-FFF2-40B4-BE49-F238E27FC236}">
+                <a16:creationId xmlns:a16="http://schemas.microsoft.com/office/drawing/2014/main" id="{85AE8A42-829D-FC28-06CB-71D659A062C6}"/>
+              </a:ext>
+            </a:extLst>
+          </p:cNvPr>
+          <p:cNvSpPr>
+            <a:spLocks noGrp="1"/>
+          </p:cNvSpPr>
+          <p:nvPr>
+            <p:ph type="title"/>
+          </p:nvPr>
+        </p:nvSpPr>
+        <p:spPr/>
+        <p:txBody>
+          <a:bodyPr/>
+          <a:lstStyle/>
+          <a:p>
+            <a:r>
+              <a:rPr lang="en-US" dirty="0"/>
+              <a:t>Logistic Regression</a:t>
+            </a:r>
+          </a:p>
+        </p:txBody>
+      </p:sp>
+      <p:sp>
+        <p:nvSpPr>
+          <p:cNvPr id="3" name="Content Placeholder 2">
+            <a:extLst>
+              <a:ext uri="{FF2B5EF4-FFF2-40B4-BE49-F238E27FC236}">
+                <a16:creationId xmlns:a16="http://schemas.microsoft.com/office/drawing/2014/main" id="{5A5AE54B-AAAF-B09C-B9F4-A016422CF4A7}"/>
+              </a:ext>
+            </a:extLst>
+          </p:cNvPr>
+          <p:cNvSpPr>
+            <a:spLocks noGrp="1"/>
+          </p:cNvSpPr>
+          <p:nvPr>
+            <p:ph idx="1"/>
+          </p:nvPr>
+        </p:nvSpPr>
+        <p:spPr>
+          <a:xfrm>
+            <a:off x="838200" y="1336098"/>
+            <a:ext cx="10515600" cy="4351338"/>
+          </a:xfrm>
+        </p:spPr>
+        <p:txBody>
+          <a:bodyPr>
+            <a:normAutofit/>
+          </a:bodyPr>
+          <a:lstStyle/>
+          <a:p>
+            <a:r>
+              <a:rPr lang="en-US" sz="2000" dirty="0"/>
+              <a:t>Full dataset (~600 events) with Binary Classification, with additional features such as win streaks.</a:t>
+            </a:r>
+          </a:p>
+          <a:p>
+            <a:r>
+              <a:rPr lang="en-US" sz="2000" dirty="0"/>
+              <a:t>Standardized using mean and scaling to unit variance</a:t>
+            </a:r>
+          </a:p>
+          <a:p>
+            <a:r>
+              <a:rPr lang="en-US" sz="2000" dirty="0"/>
+              <a:t>Optimal C of ~0.03 with Train/Test Error 0.33/0.37, Overall score of 0.70 after validation of C</a:t>
+            </a:r>
+          </a:p>
+          <a:p>
+            <a:r>
+              <a:rPr lang="en-US" sz="2000" dirty="0"/>
+              <a:t>L2 </a:t>
+            </a:r>
+            <a:r>
+              <a:rPr lang="en-US" sz="2000" dirty="0" err="1"/>
+              <a:t>Regularizer</a:t>
+            </a:r>
+            <a:endParaRPr lang="en-US" sz="2000" dirty="0"/>
+          </a:p>
+          <a:p>
+            <a:r>
+              <a:rPr lang="en-US" sz="2000" dirty="0"/>
+              <a:t>Adding in B365 data increased score to 0.73</a:t>
+            </a:r>
+          </a:p>
+        </p:txBody>
+      </p:sp>
+      <p:pic>
+        <p:nvPicPr>
+          <p:cNvPr id="5" name="Picture 4" descr="A screenshot of a graph&#10;&#10;Description automatically generated">
+            <a:extLst>
+              <a:ext uri="{FF2B5EF4-FFF2-40B4-BE49-F238E27FC236}">
+                <a16:creationId xmlns:a16="http://schemas.microsoft.com/office/drawing/2014/main" id="{EE08EAA4-4A60-7D59-1762-4B8F4D3FDEEA}"/>
+              </a:ext>
+            </a:extLst>
+          </p:cNvPr>
+          <p:cNvPicPr>
+            <a:picLocks noChangeAspect="1"/>
+          </p:cNvPicPr>
+          <p:nvPr/>
+        </p:nvPicPr>
+        <p:blipFill>
+          <a:blip r:embed="rId2">
+            <a:extLst>
+              <a:ext uri="{28A0092B-C50C-407E-A947-70E740481C1C}">
+                <a14:useLocalDpi xmlns:a14="http://schemas.microsoft.com/office/drawing/2010/main" val="0"/>
+              </a:ext>
+            </a:extLst>
+          </a:blip>
+          <a:stretch>
+            <a:fillRect/>
+          </a:stretch>
+        </p:blipFill>
+        <p:spPr>
+          <a:xfrm>
+            <a:off x="1493731" y="3730750"/>
+            <a:ext cx="4462612" cy="3034576"/>
+          </a:xfrm>
+          <a:prstGeom prst="rect">
+            <a:avLst/>
+          </a:prstGeom>
+        </p:spPr>
+      </p:pic>
+      <p:pic>
+        <p:nvPicPr>
+          <p:cNvPr id="8" name="Picture 7" descr="A chart of blue and yellow squares&#10;&#10;Description automatically generated">
+            <a:extLst>
+              <a:ext uri="{FF2B5EF4-FFF2-40B4-BE49-F238E27FC236}">
+                <a16:creationId xmlns:a16="http://schemas.microsoft.com/office/drawing/2014/main" id="{74FABF2F-AC47-872B-94EC-C4F6FB544932}"/>
+              </a:ext>
+            </a:extLst>
+          </p:cNvPr>
+          <p:cNvPicPr>
+            <a:picLocks noChangeAspect="1"/>
+          </p:cNvPicPr>
+          <p:nvPr/>
+        </p:nvPicPr>
+        <p:blipFill>
+          <a:blip r:embed="rId3">
+            <a:extLst>
+              <a:ext uri="{28A0092B-C50C-407E-A947-70E740481C1C}">
+                <a14:useLocalDpi xmlns:a14="http://schemas.microsoft.com/office/drawing/2010/main" val="0"/>
+              </a:ext>
+            </a:extLst>
+          </a:blip>
+          <a:stretch>
+            <a:fillRect/>
+          </a:stretch>
+        </p:blipFill>
+        <p:spPr>
+          <a:xfrm>
+            <a:off x="6309634" y="3730750"/>
+            <a:ext cx="4690875" cy="3127250"/>
+          </a:xfrm>
+          <a:prstGeom prst="rect">
+            <a:avLst/>
+          </a:prstGeom>
+        </p:spPr>
+      </p:pic>
+    </p:spTree>
+    <p:extLst>
+      <p:ext uri="{BB962C8B-B14F-4D97-AF65-F5344CB8AC3E}">
+        <p14:creationId xmlns:p14="http://schemas.microsoft.com/office/powerpoint/2010/main" val="3430008703"/>
+      </p:ext>
+    </p:extLst>
+  </p:cSld>
+  <p:clrMapOvr>
+    <a:masterClrMapping/>
+  </p:clrMapOvr>
+</p:sld>
+</file>
+
+<file path=ppt/slides/slide4.xml><?xml version="1.0" encoding="utf-8"?>
+<p:sld xmlns:a="http://schemas.openxmlformats.org/drawingml/2006/main" xmlns:r="http://schemas.openxmlformats.org/officeDocument/2006/relationships" xmlns:p="http://schemas.openxmlformats.org/presentationml/2006/main">
+  <p:cSld>
+    <p:spTree>
+      <p:nvGrpSpPr>
+        <p:cNvPr id="1" name=""/>
+        <p:cNvGrpSpPr/>
+        <p:nvPr/>
+      </p:nvGrpSpPr>
+      <p:grpSpPr>
+        <a:xfrm>
+          <a:off x="0" y="0"/>
+          <a:ext cx="0" cy="0"/>
+          <a:chOff x="0" y="0"/>
+          <a:chExt cx="0" cy="0"/>
+        </a:xfrm>
+      </p:grpSpPr>
+      <p:sp>
+        <p:nvSpPr>
+          <p:cNvPr id="2" name="Title 1">
+            <a:extLst>
+              <a:ext uri="{FF2B5EF4-FFF2-40B4-BE49-F238E27FC236}">
+                <a16:creationId xmlns:a16="http://schemas.microsoft.com/office/drawing/2014/main" id="{5EDC0A68-3C6B-BF5D-3CE2-DE9C753960A4}"/>
+              </a:ext>
+            </a:extLst>
+          </p:cNvPr>
+          <p:cNvSpPr>
+            <a:spLocks noGrp="1"/>
+          </p:cNvSpPr>
+          <p:nvPr>
+            <p:ph type="title"/>
+          </p:nvPr>
+        </p:nvSpPr>
+        <p:spPr/>
+        <p:txBody>
+          <a:bodyPr/>
+          <a:lstStyle/>
+          <a:p>
+            <a:r>
+              <a:rPr lang="en-US" dirty="0" err="1"/>
+              <a:t>PCA</a:t>
+            </a:r>
+            <a:endParaRPr lang="en-US" dirty="0"/>
+          </a:p>
+        </p:txBody>
+      </p:sp>
+      <p:sp>
+        <p:nvSpPr>
+          <p:cNvPr id="3" name="Content Placeholder 2">
+            <a:extLst>
+              <a:ext uri="{FF2B5EF4-FFF2-40B4-BE49-F238E27FC236}">
+                <a16:creationId xmlns:a16="http://schemas.microsoft.com/office/drawing/2014/main" id="{92AEBAA8-9326-057C-9877-C50865A2F4E3}"/>
+              </a:ext>
+            </a:extLst>
+          </p:cNvPr>
+          <p:cNvSpPr>
+            <a:spLocks noGrp="1"/>
+          </p:cNvSpPr>
+          <p:nvPr>
+            <p:ph idx="1"/>
+          </p:nvPr>
+        </p:nvSpPr>
+        <p:spPr/>
+        <p:txBody>
+          <a:bodyPr/>
+          <a:lstStyle/>
+          <a:p>
+            <a:r>
+              <a:rPr lang="en-US" dirty="0" err="1"/>
+              <a:t>PCA</a:t>
+            </a:r>
+            <a:r>
+              <a:rPr lang="en-US" dirty="0"/>
+              <a:t> with B365 </a:t>
+            </a:r>
+            <a:r>
+              <a:rPr lang="en-US" dirty="0" err="1"/>
+              <a:t>Bookeeper</a:t>
+            </a:r>
+            <a:r>
+              <a:rPr lang="en-US" dirty="0"/>
+              <a:t> odds became the top principal component at 0.16 of the explained variance, with the next highest principal component of 0.10.</a:t>
+            </a:r>
+          </a:p>
+          <a:p>
+            <a:r>
+              <a:rPr lang="en-US" dirty="0"/>
+              <a:t>'B365A', '</a:t>
+            </a:r>
+            <a:r>
+              <a:rPr lang="en-US" dirty="0" err="1"/>
+              <a:t>chanceCreationPassing</a:t>
+            </a:r>
+            <a:r>
+              <a:rPr lang="en-US" dirty="0"/>
+              <a:t>', '</a:t>
+            </a:r>
+            <a:r>
+              <a:rPr lang="en-US" dirty="0" err="1"/>
+              <a:t>defencePressureClass</a:t>
+            </a:r>
+            <a:r>
+              <a:rPr lang="en-US" dirty="0"/>
+              <a:t>', '</a:t>
+            </a:r>
+            <a:r>
+              <a:rPr lang="en-US" dirty="0" err="1"/>
+              <a:t>HomeTeamWinStreak</a:t>
+            </a:r>
+            <a:r>
+              <a:rPr lang="en-US" dirty="0"/>
+              <a:t>', '</a:t>
+            </a:r>
+            <a:r>
+              <a:rPr lang="en-US" dirty="0" err="1"/>
+              <a:t>defenceTeamWidthClass</a:t>
+            </a:r>
+            <a:r>
+              <a:rPr lang="en-US" dirty="0"/>
+              <a:t>', 'AST', '</a:t>
+            </a:r>
+            <a:r>
+              <a:rPr lang="en-US" dirty="0" err="1"/>
+              <a:t>buildUpPlayDribblingClass</a:t>
+            </a:r>
+            <a:r>
+              <a:rPr lang="en-US" dirty="0"/>
+              <a:t>', '</a:t>
+            </a:r>
+            <a:r>
+              <a:rPr lang="en-US" dirty="0" err="1"/>
+              <a:t>AwayTeamDrawStreak</a:t>
+            </a:r>
+            <a:r>
+              <a:rPr lang="en-US" dirty="0"/>
+              <a:t>', '</a:t>
+            </a:r>
+            <a:r>
+              <a:rPr lang="en-US" dirty="0" err="1"/>
+              <a:t>HomeTeamDrawStreak</a:t>
+            </a:r>
+            <a:r>
+              <a:rPr lang="en-US" dirty="0"/>
+              <a:t>', '</a:t>
+            </a:r>
+            <a:r>
+              <a:rPr lang="en-US" dirty="0" err="1"/>
+              <a:t>buildUpPlaySpeed</a:t>
+            </a:r>
+            <a:r>
+              <a:rPr lang="en-US" dirty="0"/>
+              <a:t>', '</a:t>
+            </a:r>
+            <a:r>
+              <a:rPr lang="en-US" dirty="0" err="1"/>
+              <a:t>chanceCreationShootingClass</a:t>
+            </a:r>
+            <a:r>
+              <a:rPr lang="en-US" dirty="0"/>
+              <a:t>', '</a:t>
+            </a:r>
+            <a:r>
+              <a:rPr lang="en-US" dirty="0" err="1"/>
+              <a:t>buildUpPlaySpeedClass</a:t>
+            </a:r>
+            <a:r>
+              <a:rPr lang="en-US" dirty="0"/>
+              <a:t>', '</a:t>
+            </a:r>
+            <a:r>
+              <a:rPr lang="en-US" dirty="0" err="1"/>
+              <a:t>chanceCreationCrossingClass</a:t>
+            </a:r>
+            <a:r>
+              <a:rPr lang="en-US" dirty="0"/>
+              <a:t>', '</a:t>
+            </a:r>
+            <a:r>
+              <a:rPr lang="en-US" dirty="0" err="1"/>
+              <a:t>AwayTeamWinStreak</a:t>
+            </a:r>
+            <a:r>
+              <a:rPr lang="en-US" dirty="0"/>
+              <a:t>'</a:t>
+            </a:r>
+          </a:p>
+        </p:txBody>
+      </p:sp>
+    </p:spTree>
+    <p:extLst>
+      <p:ext uri="{BB962C8B-B14F-4D97-AF65-F5344CB8AC3E}">
+        <p14:creationId xmlns:p14="http://schemas.microsoft.com/office/powerpoint/2010/main" val="2764743550"/>
       </p:ext>
     </p:extLst>
   </p:cSld>
